--- a/Proyecto Final.pptx
+++ b/Proyecto Final.pptx
@@ -252,7 +252,7 @@
             <a:pPr rtl="0"/>
             <a:fld id="{569ED919-00BB-4E1F-9649-60FAA305BDC2}" type="datetime1">
               <a:rPr lang="es-ES" smtClean="0"/>
-              <a:t>13/04/2024</a:t>
+              <a:t>14/04/2024</a:t>
             </a:fld>
             <a:endParaRPr lang="es-ES" dirty="0"/>
           </a:p>
@@ -434,7 +434,7 @@
             <a:pPr rtl="0"/>
             <a:fld id="{15D2C941-541A-451F-A21B-3E8902B9DFE8}" type="datetime1">
               <a:rPr lang="es-ES" smtClean="0"/>
-              <a:t>13/04/2024</a:t>
+              <a:t>14/04/2024</a:t>
             </a:fld>
             <a:endParaRPr lang="es-ES" dirty="0"/>
           </a:p>
@@ -7724,23 +7724,7 @@
                   <a:schemeClr val="tx1"/>
                 </a:solidFill>
               </a:rPr>
-              <a:t>Proyecto Final: Análisis del sistema de información de la empresa </a:t>
-            </a:r>
-            <a:r>
-              <a:rPr lang="es-ES" dirty="0" err="1">
-                <a:solidFill>
-                  <a:schemeClr val="tx1"/>
-                </a:solidFill>
-              </a:rPr>
-              <a:t>Handsome</a:t>
-            </a:r>
-            <a:r>
-              <a:rPr lang="es-ES" dirty="0">
-                <a:solidFill>
-                  <a:schemeClr val="tx1"/>
-                </a:solidFill>
-              </a:rPr>
-              <a:t> Nica S.A</a:t>
+              <a:t>Proyecto Final: Análisis del sistema de información de la empresa Handsome Nica S.A</a:t>
             </a:r>
           </a:p>
         </p:txBody>
@@ -7811,15 +7795,7 @@
           <a:p>
             <a:r>
               <a:rPr lang="es-NI" sz="2400" dirty="0"/>
-              <a:t>Joel Aburto </a:t>
-            </a:r>
-            <a:r>
-              <a:rPr lang="es-NI" sz="2400" dirty="0" err="1"/>
-              <a:t>Sanchez</a:t>
-            </a:r>
-            <a:r>
-              <a:rPr lang="es-NI" sz="2400" dirty="0"/>
-              <a:t>.</a:t>
+              <a:t>Joel Aburto Sánchez.</a:t>
             </a:r>
           </a:p>
         </p:txBody>
@@ -8246,73 +8222,7 @@
                 <a:latin typeface="Times New Roman" panose="02020603050405020304" pitchFamily="18" charset="0"/>
                 <a:cs typeface="Times New Roman" panose="02020603050405020304" pitchFamily="18" charset="0"/>
               </a:rPr>
-              <a:t>La optimización tecnológica es crucial para </a:t>
-            </a:r>
-            <a:r>
-              <a:rPr lang="es-ES" sz="2800" b="0" i="0" dirty="0" err="1">
-                <a:solidFill>
-                  <a:srgbClr val="0D0D0D"/>
-                </a:solidFill>
-                <a:effectLst/>
-                <a:latin typeface="Times New Roman" panose="02020603050405020304" pitchFamily="18" charset="0"/>
-                <a:cs typeface="Times New Roman" panose="02020603050405020304" pitchFamily="18" charset="0"/>
-              </a:rPr>
-              <a:t>Handsome</a:t>
-            </a:r>
-            <a:r>
-              <a:rPr lang="es-ES" sz="2800" b="0" i="0" dirty="0">
-                <a:solidFill>
-                  <a:srgbClr val="0D0D0D"/>
-                </a:solidFill>
-                <a:effectLst/>
-                <a:latin typeface="Times New Roman" panose="02020603050405020304" pitchFamily="18" charset="0"/>
-                <a:cs typeface="Times New Roman" panose="02020603050405020304" pitchFamily="18" charset="0"/>
-              </a:rPr>
-              <a:t> Nica S.A., y la implementación del sistema </a:t>
-            </a:r>
-            <a:r>
-              <a:rPr lang="es-ES" sz="2800" b="0" i="0" dirty="0" err="1">
-                <a:solidFill>
-                  <a:srgbClr val="0D0D0D"/>
-                </a:solidFill>
-                <a:effectLst/>
-                <a:latin typeface="Times New Roman" panose="02020603050405020304" pitchFamily="18" charset="0"/>
-                <a:cs typeface="Times New Roman" panose="02020603050405020304" pitchFamily="18" charset="0"/>
-              </a:rPr>
-              <a:t>Contpaqi</a:t>
-            </a:r>
-            <a:r>
-              <a:rPr lang="es-ES" sz="2800" b="0" i="0" dirty="0">
-                <a:solidFill>
-                  <a:srgbClr val="0D0D0D"/>
-                </a:solidFill>
-                <a:effectLst/>
-                <a:latin typeface="Times New Roman" panose="02020603050405020304" pitchFamily="18" charset="0"/>
-                <a:cs typeface="Times New Roman" panose="02020603050405020304" pitchFamily="18" charset="0"/>
-              </a:rPr>
-              <a:t> ofrece una oportunidad para mejorar la eficiencia y competitividad en el mercado textil. Aunque </a:t>
-            </a:r>
-            <a:r>
-              <a:rPr lang="es-ES" sz="2800" b="0" i="0" dirty="0" err="1">
-                <a:solidFill>
-                  <a:srgbClr val="0D0D0D"/>
-                </a:solidFill>
-                <a:effectLst/>
-                <a:latin typeface="Times New Roman" panose="02020603050405020304" pitchFamily="18" charset="0"/>
-                <a:cs typeface="Times New Roman" panose="02020603050405020304" pitchFamily="18" charset="0"/>
-              </a:rPr>
-              <a:t>Contpaqi</a:t>
-            </a:r>
-            <a:r>
-              <a:rPr lang="es-ES" sz="2800" b="0" i="0" dirty="0">
-                <a:solidFill>
-                  <a:srgbClr val="0D0D0D"/>
-                </a:solidFill>
-                <a:effectLst/>
-                <a:latin typeface="Times New Roman" panose="02020603050405020304" pitchFamily="18" charset="0"/>
-                <a:cs typeface="Times New Roman" panose="02020603050405020304" pitchFamily="18" charset="0"/>
-              </a:rPr>
-              <a:t> ofrece beneficios, desafíos críticos relacionados con la estabilidad y rendimiento requieren atención urgente para garantizar la continuidad operativa. Se necesitan soluciones integrales que aborden tanto los problemas técnicos actuales como la fiabilidad a largo plazo del sistema. La ética informática se destaca como un diferenciador competitivo, y la formación del personal es fundamental para optimizar el rendimiento del sistema y mantener la competitividad</a:t>
+              <a:t>La optimización tecnológica es crucial para Handsome Nica S.A., y la implementación del sistema Contpaqi ofrece una oportunidad para mejorar la eficiencia y competitividad en el mercado textil. Aunque Contpaqi ofrece beneficios, desafíos críticos relacionados con la estabilidad y rendimiento requieren atención urgente para garantizar la continuidad operativa. Se necesitan soluciones integrales que aborden tanto los problemas técnicos actuales como la fiabilidad a largo plazo del sistema. La ética informática se destaca como un diferenciador competitivo, y la formación del personal es fundamental para optimizar el rendimiento del sistema y mantener la competitividad</a:t>
             </a:r>
             <a:endParaRPr lang="es-NI" sz="2800" dirty="0">
               <a:latin typeface="Times New Roman" panose="02020603050405020304" pitchFamily="18" charset="0"/>
@@ -8522,39 +8432,7 @@
             <a:pPr rtl="0"/>
             <a:r>
               <a:rPr lang="es-ES" sz="2000" dirty="0"/>
-              <a:t>En el competitivo mundo empresarial actual, es esencial optimizar el sistema de información para mantener la competitividad. Nos enfocamos en </a:t>
-            </a:r>
-            <a:r>
-              <a:rPr lang="es-ES" sz="2000" dirty="0" err="1"/>
-              <a:t>Contpaqi</a:t>
-            </a:r>
-            <a:r>
-              <a:rPr lang="es-ES" sz="2000" dirty="0"/>
-              <a:t>, crucial para empresas como </a:t>
-            </a:r>
-            <a:r>
-              <a:rPr lang="es-ES" sz="2000" dirty="0" err="1"/>
-              <a:t>Handson</a:t>
-            </a:r>
-            <a:r>
-              <a:rPr lang="es-ES" sz="2000" dirty="0"/>
-              <a:t> Nica S.A., líder en la industria textil y exportadora. </a:t>
-            </a:r>
-            <a:r>
-              <a:rPr lang="es-ES" sz="2000" dirty="0" err="1"/>
-              <a:t>Contpaqi</a:t>
-            </a:r>
-            <a:r>
-              <a:rPr lang="es-ES" sz="2000" dirty="0"/>
-              <a:t> simplifica la gestión administrativa y contable, permitiendo cumplir con obligaciones fiscales y mejorar procesos. Su suite integral abarca </a:t>
-            </a:r>
-            <a:r>
-              <a:rPr lang="es-ES" sz="2000" dirty="0" err="1"/>
-              <a:t>Contpaqi</a:t>
-            </a:r>
-            <a:r>
-              <a:rPr lang="es-ES" sz="2000" dirty="0"/>
-              <a:t> Comercial, Bancos y Contabilidad, colaborando para simplificar operaciones comerciales, gestionar inventarios y flujo de efectivo, reduciendo tiempo y errores administrativos.</a:t>
+              <a:t>En el competitivo mundo empresarial actual, es esencial optimizar el sistema de información para mantener la competitividad. Nos enfocamos en Contpaqi, crucial para empresas como Handsome Nica S.A., líder en la industria textil y exportadora. Contpaqi simplifica la gestión administrativa y contable, permitiendo cumplir con obligaciones fiscales y mejorar procesos. Su suite integral abarca Contpaqi Comercial, Bancos y Contabilidad, colaborando para simplificar operaciones comerciales, gestionar inventarios y flujo de efectivo, reduciendo tiempo y errores administrativos.</a:t>
             </a:r>
           </a:p>
         </p:txBody>
@@ -8715,12 +8593,8 @@
           <a:lstStyle/>
           <a:p>
             <a:r>
-              <a:rPr lang="es-ES" sz="2000" dirty="0" err="1"/>
-              <a:t>Handsome</a:t>
-            </a:r>
-            <a:r>
               <a:rPr lang="es-ES" sz="2000" dirty="0"/>
-              <a:t> Nica S.A., una empresa coreana con más de 20 años de presencia en Nicaragua en el sector textil, ha sido un pilar en la economía local, generando empleo y contribuyendo al desarrollo económico del país a través de la exportación de prendas textiles. A pesar de su éxito, enfrentaron limitaciones con su sistema principal, </a:t>
+              <a:t>Handsome Nica S.A., una empresa coreana con más de 20 años de presencia en Nicaragua en el sector textil, ha sido un pilar en la economía local, generando empleo y contribuyendo al desarrollo económico del país a través de la exportación de prendas textiles. A pesar de su éxito, enfrentaron limitaciones con su sistema principal, </a:t>
             </a:r>
             <a:r>
               <a:rPr lang="es-ES" sz="2000" dirty="0" err="1"/>
@@ -8728,15 +8602,7 @@
             </a:r>
             <a:r>
               <a:rPr lang="es-ES" sz="2000" dirty="0"/>
-              <a:t> 9, que no se adaptaba completamente a sus necesidades operativas y presentaba fallos en escalabilidad y accesibilidad de información en tiempo real para los accionistas. Ante esta situación, decidieron migrar a </a:t>
-            </a:r>
-            <a:r>
-              <a:rPr lang="es-ES" sz="2000" dirty="0" err="1"/>
-              <a:t>Contpaqi</a:t>
-            </a:r>
-            <a:r>
-              <a:rPr lang="es-ES" sz="2000" dirty="0"/>
-              <a:t>, valorando su interfaz más amigable y fácil de usar, especialmente en momentos de crisis y migración de empleados, donde la simplicidad y la eficiencia son cruciales.</a:t>
+              <a:t> 9, que no se adaptaba completamente a sus necesidades operativas y presentaba fallos en escalabilidad y accesibilidad de información en tiempo real para los accionistas. Ante esta situación, decidieron migrar a Contpaqi, valorando su interfaz más amigable y fácil de usar, especialmente en momentos de crisis y migración de empleados, donde la simplicidad y la eficiencia son cruciales.</a:t>
             </a:r>
           </a:p>
         </p:txBody>
@@ -8847,20 +8713,8 @@
           <a:p>
             <a:pPr rtl="0"/>
             <a:r>
-              <a:rPr lang="es-ES" b="1" dirty="0" err="1"/>
-              <a:t>Handsome</a:t>
-            </a:r>
-            <a:r>
               <a:rPr lang="es-ES" b="1" dirty="0"/>
-              <a:t> Nica S.A., una zona franca especializada en la producción de prendas de vestir para exportación, ha confiado en </a:t>
-            </a:r>
-            <a:r>
-              <a:rPr lang="es-ES" b="1" dirty="0" err="1"/>
-              <a:t>Contpaqi</a:t>
-            </a:r>
-            <a:r>
-              <a:rPr lang="es-ES" b="1" dirty="0"/>
-              <a:t> como su sistema de gestión empresarial clave. A pesar de los beneficios del sistema, enfrentan desafíos que afectan su eficiencia. Problemas recurrentes de desconexión del servidor y problemas de direcciones IP comprometen la integridad de los datos y la productividad. Aunque los usuarios encuentran el sistema amigable, el soporte técnico es insuficiente, especialmente para resolver errores críticos como la generación de informes de ventas. Estas dificultades afectan la toma de decisiones estratégicas y requieren una solución integral para garantizar la fiabilidad y estabilidad del sistema y mantener la competitividad en el mercado textil internacional. innovador con un diseño atractivo, elegante y funcional.</a:t>
+              <a:t>Handsome Nica S.A., una zona franca especializada en la producción de prendas de vestir para exportación, ha confiado en Contpaqi como su sistema de gestión empresarial clave. A pesar de los beneficios del sistema, enfrentan desafíos que afectan su eficiencia. Problemas recurrentes de desconexión del servidor y problemas de direcciones IP comprometen la integridad de los datos y la productividad. Aunque los usuarios encuentran el sistema amigable, el soporte técnico es insuficiente, especialmente para resolver errores críticos como la generación de informes de ventas. Estas dificultades afectan la toma de decisiones estratégicas y requieren una solución integral para garantizar la fiabilidad y estabilidad del sistema y mantener la competitividad en el mercado textil internacional. innovador con un diseño atractivo, elegante y funcional.</a:t>
             </a:r>
           </a:p>
         </p:txBody>
@@ -9022,23 +8876,7 @@
             </a:pPr>
             <a:r>
               <a:rPr lang="es-ES" sz="1700" b="1" dirty="0"/>
-              <a:t>Implementar eficientemente el sistema </a:t>
-            </a:r>
-            <a:r>
-              <a:rPr lang="es-ES" sz="1700" b="1" dirty="0" err="1"/>
-              <a:t>Contpaqi</a:t>
-            </a:r>
-            <a:r>
-              <a:rPr lang="es-ES" sz="1700" b="1" dirty="0"/>
-              <a:t> en </a:t>
-            </a:r>
-            <a:r>
-              <a:rPr lang="es-ES" sz="1700" b="1" dirty="0" err="1"/>
-              <a:t>Handsome</a:t>
-            </a:r>
-            <a:r>
-              <a:rPr lang="es-ES" sz="1700" b="1" dirty="0"/>
-              <a:t> Nica S.A. para mejorar la gestión de la información, aumentar la eficiencia operativa y fortalecer la competitividad en el mercado textil, abordando simultáneamente los desafíos identificados y aprovechando las oportunidades tecnológicas emergentes.</a:t>
+              <a:t>Implementar eficientemente el sistema Contpaqi en Handsome Nica S.A. para mejorar la gestión de la información, aumentar la eficiencia operativa y fortalecer la competitividad en el mercado textil, abordando simultáneamente los desafíos identificados y aprovechando las oportunidades tecnológicas emergentes.</a:t>
             </a:r>
           </a:p>
         </p:txBody>
@@ -9321,31 +9159,7 @@
                 <a:ea typeface="+mn-ea"/>
                 <a:cs typeface="+mn-cs"/>
               </a:rPr>
-              <a:t>Garantizar una transición fluida al sistema </a:t>
-            </a:r>
-            <a:r>
-              <a:rPr lang="es-ES" sz="1800" b="1" kern="1200" dirty="0" err="1">
-                <a:solidFill>
-                  <a:srgbClr val="595959"/>
-                </a:solidFill>
-                <a:effectLst/>
-                <a:latin typeface="Source Sans Pro Light" panose="020B0403030403020204" pitchFamily="34" charset="0"/>
-                <a:ea typeface="+mn-ea"/>
-                <a:cs typeface="+mn-cs"/>
-              </a:rPr>
-              <a:t>Contpaqi</a:t>
-            </a:r>
-            <a:r>
-              <a:rPr lang="es-ES" sz="1800" b="1" kern="1200" dirty="0">
-                <a:solidFill>
-                  <a:srgbClr val="595959"/>
-                </a:solidFill>
-                <a:effectLst/>
-                <a:latin typeface="Source Sans Pro Light" panose="020B0403030403020204" pitchFamily="34" charset="0"/>
-                <a:ea typeface="+mn-ea"/>
-                <a:cs typeface="+mn-cs"/>
-              </a:rPr>
-              <a:t> mediante la capacitación adecuada del personal, enfocándose en reducir la curva de aprendizaje y asegurar un uso efectivo del sistema, mientras se abordan las preocupaciones de estabilidad y rendimiento identificadas.</a:t>
+              <a:t>Garantizar una transición fluida al sistema Contpaqi mediante la capacitación adecuada del personal, enfocándose en reducir la curva de aprendizaje y asegurar un uso efectivo del sistema, mientras se abordan las preocupaciones de estabilidad y rendimiento identificadas.</a:t>
             </a:r>
             <a:endParaRPr lang="es-NI" sz="1600" dirty="0">
               <a:effectLst/>
@@ -9684,23 +9498,7 @@
             </a:pPr>
             <a:r>
               <a:rPr lang="es-ES" sz="2400" dirty="0"/>
-              <a:t>A pesar de los desafíos, </a:t>
-            </a:r>
-            <a:r>
-              <a:rPr lang="es-ES" sz="2400" dirty="0" err="1"/>
-              <a:t>Contpaqi</a:t>
-            </a:r>
-            <a:r>
-              <a:rPr lang="es-ES" sz="2400" dirty="0"/>
-              <a:t> ha demostrado ser adaptable a las necesidades específicas de </a:t>
-            </a:r>
-            <a:r>
-              <a:rPr lang="es-ES" sz="2400" dirty="0" err="1"/>
-              <a:t>Handsome</a:t>
-            </a:r>
-            <a:r>
-              <a:rPr lang="es-ES" sz="2400" dirty="0"/>
-              <a:t> Nica S.A. Los usuarios encuentran el sistema amigable y fácil de usar, lo que facilita la realización de tareas cotidianas y la gestión de operaciones comerciales. Sin embargo, el soporte y mantenimiento del sistema representan un desafío considerable para la empresa, especialmente en la resolución de problemas técnicos críticos. </a:t>
+              <a:t>A pesar de los desafíos, Contpaqi ha demostrado ser adaptable a las necesidades específicas de Handsome Nica S.A. Los usuarios encuentran el sistema amigable y fácil de usar, lo que facilita la realización de tareas cotidianas y la gestión de operaciones comerciales. Sin embargo, el soporte y mantenimiento del sistema representan un desafío considerable para la empresa, especialmente en la resolución de problemas técnicos críticos. </a:t>
             </a:r>
             <a:endParaRPr lang="es-ES" sz="2400" noProof="1"/>
           </a:p>
@@ -10878,6 +10676,15 @@
 </file>
 
 <file path=customXml/item2.xml><?xml version="1.0" encoding="utf-8"?>
+<?mso-contentType ?>
+<FormTemplates xmlns="http://schemas.microsoft.com/sharepoint/v3/contenttype/forms">
+  <Display>DocumentLibraryForm</Display>
+  <Edit>DocumentLibraryForm</Edit>
+  <New>DocumentLibraryForm</New>
+</FormTemplates>
+</file>
+
+<file path=customXml/item3.xml><?xml version="1.0" encoding="utf-8"?>
 <ct:contentTypeSchema xmlns:ct="http://schemas.microsoft.com/office/2006/metadata/contentType" xmlns:ma="http://schemas.microsoft.com/office/2006/metadata/properties/metaAttributes" ct:_="" ma:_="" ma:contentTypeName="Document" ma:contentTypeID="0x01010079F111ED35F8CC479449609E8A0923A6" ma:contentTypeVersion="28" ma:contentTypeDescription="Create a new document." ma:contentTypeScope="" ma:versionID="60f5a4f2d2b0abadcf532d48ebf9cb71">
   <xsd:schema xmlns:xsd="http://www.w3.org/2001/XMLSchema" xmlns:xs="http://www.w3.org/2001/XMLSchema" xmlns:p="http://schemas.microsoft.com/office/2006/metadata/properties" xmlns:ns1="http://schemas.microsoft.com/sharepoint/v3" xmlns:ns2="71af3243-3dd4-4a8d-8c0d-dd76da1f02a5" xmlns:ns3="16c05727-aa75-4e4a-9b5f-8a80a1165891" xmlns:ns4="230e9df3-be65-4c73-a93b-d1236ebd677e" targetNamespace="http://schemas.microsoft.com/office/2006/metadata/properties" ma:root="true" ma:fieldsID="7dd78129e6a1811f84807ad11c651531" ns1:_="" ns2:_="" ns3:_="" ns4:_="">
     <xsd:import namespace="http://schemas.microsoft.com/sharepoint/v3"/>
@@ -11189,15 +10996,6 @@
 </ct:contentTypeSchema>
 </file>
 
-<file path=customXml/item3.xml><?xml version="1.0" encoding="utf-8"?>
-<?mso-contentType ?>
-<FormTemplates xmlns="http://schemas.microsoft.com/sharepoint/v3/contenttype/forms">
-  <Display>DocumentLibraryForm</Display>
-  <Edit>DocumentLibraryForm</Edit>
-  <New>DocumentLibraryForm</New>
-</FormTemplates>
-</file>
-
 <file path=customXml/itemProps1.xml><?xml version="1.0" encoding="utf-8"?>
 <ds:datastoreItem xmlns:ds="http://schemas.openxmlformats.org/officeDocument/2006/customXml" ds:itemID="{337CDA33-9251-49D0-A51A-7888AA3E0635}">
   <ds:schemaRefs>
@@ -11211,6 +11009,14 @@
 </file>
 
 <file path=customXml/itemProps2.xml><?xml version="1.0" encoding="utf-8"?>
+<ds:datastoreItem xmlns:ds="http://schemas.openxmlformats.org/officeDocument/2006/customXml" ds:itemID="{3F796806-D3A7-49C6-9335-B8A0B9307F8E}">
+  <ds:schemaRefs>
+    <ds:schemaRef ds:uri="http://schemas.microsoft.com/sharepoint/v3/contenttype/forms"/>
+  </ds:schemaRefs>
+</ds:datastoreItem>
+</file>
+
+<file path=customXml/itemProps3.xml><?xml version="1.0" encoding="utf-8"?>
 <ds:datastoreItem xmlns:ds="http://schemas.openxmlformats.org/officeDocument/2006/customXml" ds:itemID="{32E4FA29-61E2-42A6-9537-732ED628B68D}">
   <ds:schemaRefs>
     <ds:schemaRef ds:uri="http://schemas.microsoft.com/office/2006/metadata/contentType"/>
@@ -11231,14 +11037,6 @@
 </ds:datastoreItem>
 </file>
 
-<file path=customXml/itemProps3.xml><?xml version="1.0" encoding="utf-8"?>
-<ds:datastoreItem xmlns:ds="http://schemas.openxmlformats.org/officeDocument/2006/customXml" ds:itemID="{3F796806-D3A7-49C6-9335-B8A0B9307F8E}">
-  <ds:schemaRefs>
-    <ds:schemaRef ds:uri="http://schemas.microsoft.com/sharepoint/v3/contenttype/forms"/>
-  </ds:schemaRefs>
-</ds:datastoreItem>
-</file>
-
 <file path=docMetadata/LabelInfo.xml><?xml version="1.0" encoding="utf-8"?>
 <clbl:labelList xmlns:clbl="http://schemas.microsoft.com/office/2020/mipLabelMetadata"/>
 </file>